--- a/media/vaast-keyboard.pptx
+++ b/media/vaast-keyboard.pptx
@@ -134,7 +134,7 @@
           <p:cNvPr id="2" name="Titre 1">
             <a:extLst>
               <a:ext uri="{FF2B5EF4-FFF2-40B4-BE49-F238E27FC236}">
-                <a16:creationId xmlns:a16="http://schemas.microsoft.com/office/drawing/2014/main" xmlns="" id="{50D0BC27-3D3B-4C4C-9441-FBF1FE31D23E}"/>
+                <a16:creationId xmlns="" xmlns:a16="http://schemas.microsoft.com/office/drawing/2014/main" id="{50D0BC27-3D3B-4C4C-9441-FBF1FE31D23E}"/>
               </a:ext>
             </a:extLst>
           </p:cNvPr>
@@ -171,7 +171,7 @@
           <p:cNvPr id="3" name="Sous-titre 2">
             <a:extLst>
               <a:ext uri="{FF2B5EF4-FFF2-40B4-BE49-F238E27FC236}">
-                <a16:creationId xmlns:a16="http://schemas.microsoft.com/office/drawing/2014/main" xmlns="" id="{831A7FA4-8C66-4D4A-817F-D6F0F70E3AD1}"/>
+                <a16:creationId xmlns="" xmlns:a16="http://schemas.microsoft.com/office/drawing/2014/main" id="{831A7FA4-8C66-4D4A-817F-D6F0F70E3AD1}"/>
               </a:ext>
             </a:extLst>
           </p:cNvPr>
@@ -241,7 +241,7 @@
           <p:cNvPr id="4" name="Espace réservé de la date 3">
             <a:extLst>
               <a:ext uri="{FF2B5EF4-FFF2-40B4-BE49-F238E27FC236}">
-                <a16:creationId xmlns:a16="http://schemas.microsoft.com/office/drawing/2014/main" xmlns="" id="{100C44A6-8D69-43A6-AAF3-69012DB44A73}"/>
+                <a16:creationId xmlns="" xmlns:a16="http://schemas.microsoft.com/office/drawing/2014/main" id="{100C44A6-8D69-43A6-AAF3-69012DB44A73}"/>
               </a:ext>
             </a:extLst>
           </p:cNvPr>
@@ -259,7 +259,7 @@
           <a:p>
             <a:fld id="{A3F3EA1E-F417-43FF-B8E8-49A1DF7D9404}" type="datetimeFigureOut">
               <a:rPr lang="fr-FR" smtClean="0"/>
-              <a:t>18/10/2019</a:t>
+              <a:t>07/06/2022</a:t>
             </a:fld>
             <a:endParaRPr lang="fr-FR"/>
           </a:p>
@@ -270,7 +270,7 @@
           <p:cNvPr id="5" name="Espace réservé du pied de page 4">
             <a:extLst>
               <a:ext uri="{FF2B5EF4-FFF2-40B4-BE49-F238E27FC236}">
-                <a16:creationId xmlns:a16="http://schemas.microsoft.com/office/drawing/2014/main" xmlns="" id="{3FFC31E3-1F28-4D0A-9296-BF6A0FBB190B}"/>
+                <a16:creationId xmlns="" xmlns:a16="http://schemas.microsoft.com/office/drawing/2014/main" id="{3FFC31E3-1F28-4D0A-9296-BF6A0FBB190B}"/>
               </a:ext>
             </a:extLst>
           </p:cNvPr>
@@ -295,7 +295,7 @@
           <p:cNvPr id="6" name="Espace réservé du numéro de diapositive 5">
             <a:extLst>
               <a:ext uri="{FF2B5EF4-FFF2-40B4-BE49-F238E27FC236}">
-                <a16:creationId xmlns:a16="http://schemas.microsoft.com/office/drawing/2014/main" xmlns="" id="{D1ABC466-28A6-4E85-93A5-667A0DB71FC9}"/>
+                <a16:creationId xmlns="" xmlns:a16="http://schemas.microsoft.com/office/drawing/2014/main" id="{D1ABC466-28A6-4E85-93A5-667A0DB71FC9}"/>
               </a:ext>
             </a:extLst>
           </p:cNvPr>
@@ -354,7 +354,7 @@
           <p:cNvPr id="2" name="Titre 1">
             <a:extLst>
               <a:ext uri="{FF2B5EF4-FFF2-40B4-BE49-F238E27FC236}">
-                <a16:creationId xmlns:a16="http://schemas.microsoft.com/office/drawing/2014/main" xmlns="" id="{7F6A937E-296C-4250-9AC6-379E50CE051E}"/>
+                <a16:creationId xmlns="" xmlns:a16="http://schemas.microsoft.com/office/drawing/2014/main" id="{7F6A937E-296C-4250-9AC6-379E50CE051E}"/>
               </a:ext>
             </a:extLst>
           </p:cNvPr>
@@ -382,7 +382,7 @@
           <p:cNvPr id="3" name="Espace réservé du texte vertical 2">
             <a:extLst>
               <a:ext uri="{FF2B5EF4-FFF2-40B4-BE49-F238E27FC236}">
-                <a16:creationId xmlns:a16="http://schemas.microsoft.com/office/drawing/2014/main" xmlns="" id="{57417771-D2FB-4C67-A122-ADEE2472C8AC}"/>
+                <a16:creationId xmlns="" xmlns:a16="http://schemas.microsoft.com/office/drawing/2014/main" id="{57417771-D2FB-4C67-A122-ADEE2472C8AC}"/>
               </a:ext>
             </a:extLst>
           </p:cNvPr>
@@ -439,7 +439,7 @@
           <p:cNvPr id="4" name="Espace réservé de la date 3">
             <a:extLst>
               <a:ext uri="{FF2B5EF4-FFF2-40B4-BE49-F238E27FC236}">
-                <a16:creationId xmlns:a16="http://schemas.microsoft.com/office/drawing/2014/main" xmlns="" id="{35EAFE5C-7B39-4785-A0A0-F00C6768DBF6}"/>
+                <a16:creationId xmlns="" xmlns:a16="http://schemas.microsoft.com/office/drawing/2014/main" id="{35EAFE5C-7B39-4785-A0A0-F00C6768DBF6}"/>
               </a:ext>
             </a:extLst>
           </p:cNvPr>
@@ -457,7 +457,7 @@
           <a:p>
             <a:fld id="{A3F3EA1E-F417-43FF-B8E8-49A1DF7D9404}" type="datetimeFigureOut">
               <a:rPr lang="fr-FR" smtClean="0"/>
-              <a:t>18/10/2019</a:t>
+              <a:t>07/06/2022</a:t>
             </a:fld>
             <a:endParaRPr lang="fr-FR"/>
           </a:p>
@@ -468,7 +468,7 @@
           <p:cNvPr id="5" name="Espace réservé du pied de page 4">
             <a:extLst>
               <a:ext uri="{FF2B5EF4-FFF2-40B4-BE49-F238E27FC236}">
-                <a16:creationId xmlns:a16="http://schemas.microsoft.com/office/drawing/2014/main" xmlns="" id="{A2EB4B77-F367-4896-9A41-37982E933502}"/>
+                <a16:creationId xmlns="" xmlns:a16="http://schemas.microsoft.com/office/drawing/2014/main" id="{A2EB4B77-F367-4896-9A41-37982E933502}"/>
               </a:ext>
             </a:extLst>
           </p:cNvPr>
@@ -493,7 +493,7 @@
           <p:cNvPr id="6" name="Espace réservé du numéro de diapositive 5">
             <a:extLst>
               <a:ext uri="{FF2B5EF4-FFF2-40B4-BE49-F238E27FC236}">
-                <a16:creationId xmlns:a16="http://schemas.microsoft.com/office/drawing/2014/main" xmlns="" id="{C4B0386F-BA89-469C-8F26-A1F0B2CC4F18}"/>
+                <a16:creationId xmlns="" xmlns:a16="http://schemas.microsoft.com/office/drawing/2014/main" id="{C4B0386F-BA89-469C-8F26-A1F0B2CC4F18}"/>
               </a:ext>
             </a:extLst>
           </p:cNvPr>
@@ -552,7 +552,7 @@
           <p:cNvPr id="2" name="Titre vertical 1">
             <a:extLst>
               <a:ext uri="{FF2B5EF4-FFF2-40B4-BE49-F238E27FC236}">
-                <a16:creationId xmlns:a16="http://schemas.microsoft.com/office/drawing/2014/main" xmlns="" id="{937A1F17-97B8-4C13-9F72-3ADB091AFB4A}"/>
+                <a16:creationId xmlns="" xmlns:a16="http://schemas.microsoft.com/office/drawing/2014/main" id="{937A1F17-97B8-4C13-9F72-3ADB091AFB4A}"/>
               </a:ext>
             </a:extLst>
           </p:cNvPr>
@@ -585,7 +585,7 @@
           <p:cNvPr id="3" name="Espace réservé du texte vertical 2">
             <a:extLst>
               <a:ext uri="{FF2B5EF4-FFF2-40B4-BE49-F238E27FC236}">
-                <a16:creationId xmlns:a16="http://schemas.microsoft.com/office/drawing/2014/main" xmlns="" id="{6D6F0005-F546-497A-9C5B-51D9E70E92F7}"/>
+                <a16:creationId xmlns="" xmlns:a16="http://schemas.microsoft.com/office/drawing/2014/main" id="{6D6F0005-F546-497A-9C5B-51D9E70E92F7}"/>
               </a:ext>
             </a:extLst>
           </p:cNvPr>
@@ -647,7 +647,7 @@
           <p:cNvPr id="4" name="Espace réservé de la date 3">
             <a:extLst>
               <a:ext uri="{FF2B5EF4-FFF2-40B4-BE49-F238E27FC236}">
-                <a16:creationId xmlns:a16="http://schemas.microsoft.com/office/drawing/2014/main" xmlns="" id="{B35F546D-A47B-47FE-BA99-C84F1B7F3A70}"/>
+                <a16:creationId xmlns="" xmlns:a16="http://schemas.microsoft.com/office/drawing/2014/main" id="{B35F546D-A47B-47FE-BA99-C84F1B7F3A70}"/>
               </a:ext>
             </a:extLst>
           </p:cNvPr>
@@ -665,7 +665,7 @@
           <a:p>
             <a:fld id="{A3F3EA1E-F417-43FF-B8E8-49A1DF7D9404}" type="datetimeFigureOut">
               <a:rPr lang="fr-FR" smtClean="0"/>
-              <a:t>18/10/2019</a:t>
+              <a:t>07/06/2022</a:t>
             </a:fld>
             <a:endParaRPr lang="fr-FR"/>
           </a:p>
@@ -676,7 +676,7 @@
           <p:cNvPr id="5" name="Espace réservé du pied de page 4">
             <a:extLst>
               <a:ext uri="{FF2B5EF4-FFF2-40B4-BE49-F238E27FC236}">
-                <a16:creationId xmlns:a16="http://schemas.microsoft.com/office/drawing/2014/main" xmlns="" id="{16D707B7-DE16-45D2-8E00-C1935F6DBCD9}"/>
+                <a16:creationId xmlns="" xmlns:a16="http://schemas.microsoft.com/office/drawing/2014/main" id="{16D707B7-DE16-45D2-8E00-C1935F6DBCD9}"/>
               </a:ext>
             </a:extLst>
           </p:cNvPr>
@@ -701,7 +701,7 @@
           <p:cNvPr id="6" name="Espace réservé du numéro de diapositive 5">
             <a:extLst>
               <a:ext uri="{FF2B5EF4-FFF2-40B4-BE49-F238E27FC236}">
-                <a16:creationId xmlns:a16="http://schemas.microsoft.com/office/drawing/2014/main" xmlns="" id="{D62A4451-1951-44C1-A870-99253F190E50}"/>
+                <a16:creationId xmlns="" xmlns:a16="http://schemas.microsoft.com/office/drawing/2014/main" id="{D62A4451-1951-44C1-A870-99253F190E50}"/>
               </a:ext>
             </a:extLst>
           </p:cNvPr>
@@ -760,7 +760,7 @@
           <p:cNvPr id="2" name="Titre 1">
             <a:extLst>
               <a:ext uri="{FF2B5EF4-FFF2-40B4-BE49-F238E27FC236}">
-                <a16:creationId xmlns:a16="http://schemas.microsoft.com/office/drawing/2014/main" xmlns="" id="{171D054A-8D09-4F2D-9B63-6EE7AC0D19D5}"/>
+                <a16:creationId xmlns="" xmlns:a16="http://schemas.microsoft.com/office/drawing/2014/main" id="{171D054A-8D09-4F2D-9B63-6EE7AC0D19D5}"/>
               </a:ext>
             </a:extLst>
           </p:cNvPr>
@@ -788,7 +788,7 @@
           <p:cNvPr id="3" name="Espace réservé du contenu 2">
             <a:extLst>
               <a:ext uri="{FF2B5EF4-FFF2-40B4-BE49-F238E27FC236}">
-                <a16:creationId xmlns:a16="http://schemas.microsoft.com/office/drawing/2014/main" xmlns="" id="{EBE3B7FE-AB8C-495B-90BD-033DBB9D2763}"/>
+                <a16:creationId xmlns="" xmlns:a16="http://schemas.microsoft.com/office/drawing/2014/main" id="{EBE3B7FE-AB8C-495B-90BD-033DBB9D2763}"/>
               </a:ext>
             </a:extLst>
           </p:cNvPr>
@@ -845,7 +845,7 @@
           <p:cNvPr id="4" name="Espace réservé de la date 3">
             <a:extLst>
               <a:ext uri="{FF2B5EF4-FFF2-40B4-BE49-F238E27FC236}">
-                <a16:creationId xmlns:a16="http://schemas.microsoft.com/office/drawing/2014/main" xmlns="" id="{08F4439D-BA35-48CD-A020-4BD2F792D788}"/>
+                <a16:creationId xmlns="" xmlns:a16="http://schemas.microsoft.com/office/drawing/2014/main" id="{08F4439D-BA35-48CD-A020-4BD2F792D788}"/>
               </a:ext>
             </a:extLst>
           </p:cNvPr>
@@ -863,7 +863,7 @@
           <a:p>
             <a:fld id="{A3F3EA1E-F417-43FF-B8E8-49A1DF7D9404}" type="datetimeFigureOut">
               <a:rPr lang="fr-FR" smtClean="0"/>
-              <a:t>18/10/2019</a:t>
+              <a:t>07/06/2022</a:t>
             </a:fld>
             <a:endParaRPr lang="fr-FR"/>
           </a:p>
@@ -874,7 +874,7 @@
           <p:cNvPr id="5" name="Espace réservé du pied de page 4">
             <a:extLst>
               <a:ext uri="{FF2B5EF4-FFF2-40B4-BE49-F238E27FC236}">
-                <a16:creationId xmlns:a16="http://schemas.microsoft.com/office/drawing/2014/main" xmlns="" id="{76779D80-263D-49A0-B501-887533D8ABCF}"/>
+                <a16:creationId xmlns="" xmlns:a16="http://schemas.microsoft.com/office/drawing/2014/main" id="{76779D80-263D-49A0-B501-887533D8ABCF}"/>
               </a:ext>
             </a:extLst>
           </p:cNvPr>
@@ -899,7 +899,7 @@
           <p:cNvPr id="6" name="Espace réservé du numéro de diapositive 5">
             <a:extLst>
               <a:ext uri="{FF2B5EF4-FFF2-40B4-BE49-F238E27FC236}">
-                <a16:creationId xmlns:a16="http://schemas.microsoft.com/office/drawing/2014/main" xmlns="" id="{B693CB84-EF07-42D3-8CA6-61F47181A1F9}"/>
+                <a16:creationId xmlns="" xmlns:a16="http://schemas.microsoft.com/office/drawing/2014/main" id="{B693CB84-EF07-42D3-8CA6-61F47181A1F9}"/>
               </a:ext>
             </a:extLst>
           </p:cNvPr>
@@ -958,7 +958,7 @@
           <p:cNvPr id="2" name="Titre 1">
             <a:extLst>
               <a:ext uri="{FF2B5EF4-FFF2-40B4-BE49-F238E27FC236}">
-                <a16:creationId xmlns:a16="http://schemas.microsoft.com/office/drawing/2014/main" xmlns="" id="{8FB62D90-7E6D-4573-9EFF-F823AA8262BD}"/>
+                <a16:creationId xmlns="" xmlns:a16="http://schemas.microsoft.com/office/drawing/2014/main" id="{8FB62D90-7E6D-4573-9EFF-F823AA8262BD}"/>
               </a:ext>
             </a:extLst>
           </p:cNvPr>
@@ -995,7 +995,7 @@
           <p:cNvPr id="3" name="Espace réservé du texte 2">
             <a:extLst>
               <a:ext uri="{FF2B5EF4-FFF2-40B4-BE49-F238E27FC236}">
-                <a16:creationId xmlns:a16="http://schemas.microsoft.com/office/drawing/2014/main" xmlns="" id="{591A6F27-5F79-4EF1-A917-9610DB98E566}"/>
+                <a16:creationId xmlns="" xmlns:a16="http://schemas.microsoft.com/office/drawing/2014/main" id="{591A6F27-5F79-4EF1-A917-9610DB98E566}"/>
               </a:ext>
             </a:extLst>
           </p:cNvPr>
@@ -1120,7 +1120,7 @@
           <p:cNvPr id="4" name="Espace réservé de la date 3">
             <a:extLst>
               <a:ext uri="{FF2B5EF4-FFF2-40B4-BE49-F238E27FC236}">
-                <a16:creationId xmlns:a16="http://schemas.microsoft.com/office/drawing/2014/main" xmlns="" id="{346F5C9C-B5C9-47A1-820C-6FC0734C3201}"/>
+                <a16:creationId xmlns="" xmlns:a16="http://schemas.microsoft.com/office/drawing/2014/main" id="{346F5C9C-B5C9-47A1-820C-6FC0734C3201}"/>
               </a:ext>
             </a:extLst>
           </p:cNvPr>
@@ -1138,7 +1138,7 @@
           <a:p>
             <a:fld id="{A3F3EA1E-F417-43FF-B8E8-49A1DF7D9404}" type="datetimeFigureOut">
               <a:rPr lang="fr-FR" smtClean="0"/>
-              <a:t>18/10/2019</a:t>
+              <a:t>07/06/2022</a:t>
             </a:fld>
             <a:endParaRPr lang="fr-FR"/>
           </a:p>
@@ -1149,7 +1149,7 @@
           <p:cNvPr id="5" name="Espace réservé du pied de page 4">
             <a:extLst>
               <a:ext uri="{FF2B5EF4-FFF2-40B4-BE49-F238E27FC236}">
-                <a16:creationId xmlns:a16="http://schemas.microsoft.com/office/drawing/2014/main" xmlns="" id="{E83BF1AF-7CE5-4EF9-AAAF-8A3CC98BBAFD}"/>
+                <a16:creationId xmlns="" xmlns:a16="http://schemas.microsoft.com/office/drawing/2014/main" id="{E83BF1AF-7CE5-4EF9-AAAF-8A3CC98BBAFD}"/>
               </a:ext>
             </a:extLst>
           </p:cNvPr>
@@ -1174,7 +1174,7 @@
           <p:cNvPr id="6" name="Espace réservé du numéro de diapositive 5">
             <a:extLst>
               <a:ext uri="{FF2B5EF4-FFF2-40B4-BE49-F238E27FC236}">
-                <a16:creationId xmlns:a16="http://schemas.microsoft.com/office/drawing/2014/main" xmlns="" id="{7B68AE3F-66D6-412D-8C1A-CA2C5BE36821}"/>
+                <a16:creationId xmlns="" xmlns:a16="http://schemas.microsoft.com/office/drawing/2014/main" id="{7B68AE3F-66D6-412D-8C1A-CA2C5BE36821}"/>
               </a:ext>
             </a:extLst>
           </p:cNvPr>
@@ -1233,7 +1233,7 @@
           <p:cNvPr id="2" name="Titre 1">
             <a:extLst>
               <a:ext uri="{FF2B5EF4-FFF2-40B4-BE49-F238E27FC236}">
-                <a16:creationId xmlns:a16="http://schemas.microsoft.com/office/drawing/2014/main" xmlns="" id="{6CBECD8E-0F6B-4B57-963F-A8F0AC9A82A1}"/>
+                <a16:creationId xmlns="" xmlns:a16="http://schemas.microsoft.com/office/drawing/2014/main" id="{6CBECD8E-0F6B-4B57-963F-A8F0AC9A82A1}"/>
               </a:ext>
             </a:extLst>
           </p:cNvPr>
@@ -1261,7 +1261,7 @@
           <p:cNvPr id="3" name="Espace réservé du contenu 2">
             <a:extLst>
               <a:ext uri="{FF2B5EF4-FFF2-40B4-BE49-F238E27FC236}">
-                <a16:creationId xmlns:a16="http://schemas.microsoft.com/office/drawing/2014/main" xmlns="" id="{DABA51CD-4016-4261-BCF2-3276D74C02EC}"/>
+                <a16:creationId xmlns="" xmlns:a16="http://schemas.microsoft.com/office/drawing/2014/main" id="{DABA51CD-4016-4261-BCF2-3276D74C02EC}"/>
               </a:ext>
             </a:extLst>
           </p:cNvPr>
@@ -1323,7 +1323,7 @@
           <p:cNvPr id="4" name="Espace réservé du contenu 3">
             <a:extLst>
               <a:ext uri="{FF2B5EF4-FFF2-40B4-BE49-F238E27FC236}">
-                <a16:creationId xmlns:a16="http://schemas.microsoft.com/office/drawing/2014/main" xmlns="" id="{44AF2F7D-987F-4964-9E65-3C2265972B84}"/>
+                <a16:creationId xmlns="" xmlns:a16="http://schemas.microsoft.com/office/drawing/2014/main" id="{44AF2F7D-987F-4964-9E65-3C2265972B84}"/>
               </a:ext>
             </a:extLst>
           </p:cNvPr>
@@ -1385,7 +1385,7 @@
           <p:cNvPr id="5" name="Espace réservé de la date 4">
             <a:extLst>
               <a:ext uri="{FF2B5EF4-FFF2-40B4-BE49-F238E27FC236}">
-                <a16:creationId xmlns:a16="http://schemas.microsoft.com/office/drawing/2014/main" xmlns="" id="{16FFF72E-B3DD-4AE4-BE46-9992EAC1EEA3}"/>
+                <a16:creationId xmlns="" xmlns:a16="http://schemas.microsoft.com/office/drawing/2014/main" id="{16FFF72E-B3DD-4AE4-BE46-9992EAC1EEA3}"/>
               </a:ext>
             </a:extLst>
           </p:cNvPr>
@@ -1403,7 +1403,7 @@
           <a:p>
             <a:fld id="{A3F3EA1E-F417-43FF-B8E8-49A1DF7D9404}" type="datetimeFigureOut">
               <a:rPr lang="fr-FR" smtClean="0"/>
-              <a:t>18/10/2019</a:t>
+              <a:t>07/06/2022</a:t>
             </a:fld>
             <a:endParaRPr lang="fr-FR"/>
           </a:p>
@@ -1414,7 +1414,7 @@
           <p:cNvPr id="6" name="Espace réservé du pied de page 5">
             <a:extLst>
               <a:ext uri="{FF2B5EF4-FFF2-40B4-BE49-F238E27FC236}">
-                <a16:creationId xmlns:a16="http://schemas.microsoft.com/office/drawing/2014/main" xmlns="" id="{E1B87B59-E2E5-420D-8D70-5D3C895940DD}"/>
+                <a16:creationId xmlns="" xmlns:a16="http://schemas.microsoft.com/office/drawing/2014/main" id="{E1B87B59-E2E5-420D-8D70-5D3C895940DD}"/>
               </a:ext>
             </a:extLst>
           </p:cNvPr>
@@ -1439,7 +1439,7 @@
           <p:cNvPr id="7" name="Espace réservé du numéro de diapositive 6">
             <a:extLst>
               <a:ext uri="{FF2B5EF4-FFF2-40B4-BE49-F238E27FC236}">
-                <a16:creationId xmlns:a16="http://schemas.microsoft.com/office/drawing/2014/main" xmlns="" id="{60283543-B097-455C-821C-585F46A3A8E7}"/>
+                <a16:creationId xmlns="" xmlns:a16="http://schemas.microsoft.com/office/drawing/2014/main" id="{60283543-B097-455C-821C-585F46A3A8E7}"/>
               </a:ext>
             </a:extLst>
           </p:cNvPr>
@@ -1498,7 +1498,7 @@
           <p:cNvPr id="2" name="Titre 1">
             <a:extLst>
               <a:ext uri="{FF2B5EF4-FFF2-40B4-BE49-F238E27FC236}">
-                <a16:creationId xmlns:a16="http://schemas.microsoft.com/office/drawing/2014/main" xmlns="" id="{CCF73D6D-490B-4438-8897-3430E9CE4217}"/>
+                <a16:creationId xmlns="" xmlns:a16="http://schemas.microsoft.com/office/drawing/2014/main" id="{CCF73D6D-490B-4438-8897-3430E9CE4217}"/>
               </a:ext>
             </a:extLst>
           </p:cNvPr>
@@ -1531,7 +1531,7 @@
           <p:cNvPr id="3" name="Espace réservé du texte 2">
             <a:extLst>
               <a:ext uri="{FF2B5EF4-FFF2-40B4-BE49-F238E27FC236}">
-                <a16:creationId xmlns:a16="http://schemas.microsoft.com/office/drawing/2014/main" xmlns="" id="{652B5D87-826A-4944-881E-CBAC16513C01}"/>
+                <a16:creationId xmlns="" xmlns:a16="http://schemas.microsoft.com/office/drawing/2014/main" id="{652B5D87-826A-4944-881E-CBAC16513C01}"/>
               </a:ext>
             </a:extLst>
           </p:cNvPr>
@@ -1602,7 +1602,7 @@
           <p:cNvPr id="4" name="Espace réservé du contenu 3">
             <a:extLst>
               <a:ext uri="{FF2B5EF4-FFF2-40B4-BE49-F238E27FC236}">
-                <a16:creationId xmlns:a16="http://schemas.microsoft.com/office/drawing/2014/main" xmlns="" id="{D07E7A04-7BAA-43B0-9F23-A944A7B1F82A}"/>
+                <a16:creationId xmlns="" xmlns:a16="http://schemas.microsoft.com/office/drawing/2014/main" id="{D07E7A04-7BAA-43B0-9F23-A944A7B1F82A}"/>
               </a:ext>
             </a:extLst>
           </p:cNvPr>
@@ -1664,7 +1664,7 @@
           <p:cNvPr id="5" name="Espace réservé du texte 4">
             <a:extLst>
               <a:ext uri="{FF2B5EF4-FFF2-40B4-BE49-F238E27FC236}">
-                <a16:creationId xmlns:a16="http://schemas.microsoft.com/office/drawing/2014/main" xmlns="" id="{FFA5FB49-57C6-4F6B-9323-A69CAFEE5E1B}"/>
+                <a16:creationId xmlns="" xmlns:a16="http://schemas.microsoft.com/office/drawing/2014/main" id="{FFA5FB49-57C6-4F6B-9323-A69CAFEE5E1B}"/>
               </a:ext>
             </a:extLst>
           </p:cNvPr>
@@ -1735,7 +1735,7 @@
           <p:cNvPr id="6" name="Espace réservé du contenu 5">
             <a:extLst>
               <a:ext uri="{FF2B5EF4-FFF2-40B4-BE49-F238E27FC236}">
-                <a16:creationId xmlns:a16="http://schemas.microsoft.com/office/drawing/2014/main" xmlns="" id="{2B65D0F4-F760-41AF-9595-50606AC2AFC0}"/>
+                <a16:creationId xmlns="" xmlns:a16="http://schemas.microsoft.com/office/drawing/2014/main" id="{2B65D0F4-F760-41AF-9595-50606AC2AFC0}"/>
               </a:ext>
             </a:extLst>
           </p:cNvPr>
@@ -1797,7 +1797,7 @@
           <p:cNvPr id="7" name="Espace réservé de la date 6">
             <a:extLst>
               <a:ext uri="{FF2B5EF4-FFF2-40B4-BE49-F238E27FC236}">
-                <a16:creationId xmlns:a16="http://schemas.microsoft.com/office/drawing/2014/main" xmlns="" id="{9B6143B7-B01F-4E17-A2AC-576123DBCF3C}"/>
+                <a16:creationId xmlns="" xmlns:a16="http://schemas.microsoft.com/office/drawing/2014/main" id="{9B6143B7-B01F-4E17-A2AC-576123DBCF3C}"/>
               </a:ext>
             </a:extLst>
           </p:cNvPr>
@@ -1815,7 +1815,7 @@
           <a:p>
             <a:fld id="{A3F3EA1E-F417-43FF-B8E8-49A1DF7D9404}" type="datetimeFigureOut">
               <a:rPr lang="fr-FR" smtClean="0"/>
-              <a:t>18/10/2019</a:t>
+              <a:t>07/06/2022</a:t>
             </a:fld>
             <a:endParaRPr lang="fr-FR"/>
           </a:p>
@@ -1826,7 +1826,7 @@
           <p:cNvPr id="8" name="Espace réservé du pied de page 7">
             <a:extLst>
               <a:ext uri="{FF2B5EF4-FFF2-40B4-BE49-F238E27FC236}">
-                <a16:creationId xmlns:a16="http://schemas.microsoft.com/office/drawing/2014/main" xmlns="" id="{B3D75F20-C7AB-4B56-9CFF-E21FE99738E3}"/>
+                <a16:creationId xmlns="" xmlns:a16="http://schemas.microsoft.com/office/drawing/2014/main" id="{B3D75F20-C7AB-4B56-9CFF-E21FE99738E3}"/>
               </a:ext>
             </a:extLst>
           </p:cNvPr>
@@ -1851,7 +1851,7 @@
           <p:cNvPr id="9" name="Espace réservé du numéro de diapositive 8">
             <a:extLst>
               <a:ext uri="{FF2B5EF4-FFF2-40B4-BE49-F238E27FC236}">
-                <a16:creationId xmlns:a16="http://schemas.microsoft.com/office/drawing/2014/main" xmlns="" id="{6D40ABDB-B044-452D-93FF-E5DFEAE98094}"/>
+                <a16:creationId xmlns="" xmlns:a16="http://schemas.microsoft.com/office/drawing/2014/main" id="{6D40ABDB-B044-452D-93FF-E5DFEAE98094}"/>
               </a:ext>
             </a:extLst>
           </p:cNvPr>
@@ -1910,7 +1910,7 @@
           <p:cNvPr id="2" name="Titre 1">
             <a:extLst>
               <a:ext uri="{FF2B5EF4-FFF2-40B4-BE49-F238E27FC236}">
-                <a16:creationId xmlns:a16="http://schemas.microsoft.com/office/drawing/2014/main" xmlns="" id="{AF79B68A-0BD8-424B-BD62-D720E501417A}"/>
+                <a16:creationId xmlns="" xmlns:a16="http://schemas.microsoft.com/office/drawing/2014/main" id="{AF79B68A-0BD8-424B-BD62-D720E501417A}"/>
               </a:ext>
             </a:extLst>
           </p:cNvPr>
@@ -1938,7 +1938,7 @@
           <p:cNvPr id="3" name="Espace réservé de la date 2">
             <a:extLst>
               <a:ext uri="{FF2B5EF4-FFF2-40B4-BE49-F238E27FC236}">
-                <a16:creationId xmlns:a16="http://schemas.microsoft.com/office/drawing/2014/main" xmlns="" id="{8A04B297-12C1-4982-8886-350FC87DBB80}"/>
+                <a16:creationId xmlns="" xmlns:a16="http://schemas.microsoft.com/office/drawing/2014/main" id="{8A04B297-12C1-4982-8886-350FC87DBB80}"/>
               </a:ext>
             </a:extLst>
           </p:cNvPr>
@@ -1956,7 +1956,7 @@
           <a:p>
             <a:fld id="{A3F3EA1E-F417-43FF-B8E8-49A1DF7D9404}" type="datetimeFigureOut">
               <a:rPr lang="fr-FR" smtClean="0"/>
-              <a:t>18/10/2019</a:t>
+              <a:t>07/06/2022</a:t>
             </a:fld>
             <a:endParaRPr lang="fr-FR"/>
           </a:p>
@@ -1967,7 +1967,7 @@
           <p:cNvPr id="4" name="Espace réservé du pied de page 3">
             <a:extLst>
               <a:ext uri="{FF2B5EF4-FFF2-40B4-BE49-F238E27FC236}">
-                <a16:creationId xmlns:a16="http://schemas.microsoft.com/office/drawing/2014/main" xmlns="" id="{25E4B830-003C-44B1-BEA3-7D1D01FA7734}"/>
+                <a16:creationId xmlns="" xmlns:a16="http://schemas.microsoft.com/office/drawing/2014/main" id="{25E4B830-003C-44B1-BEA3-7D1D01FA7734}"/>
               </a:ext>
             </a:extLst>
           </p:cNvPr>
@@ -1992,7 +1992,7 @@
           <p:cNvPr id="5" name="Espace réservé du numéro de diapositive 4">
             <a:extLst>
               <a:ext uri="{FF2B5EF4-FFF2-40B4-BE49-F238E27FC236}">
-                <a16:creationId xmlns:a16="http://schemas.microsoft.com/office/drawing/2014/main" xmlns="" id="{0209DEBD-34F7-4D5A-A67C-851316E87A8F}"/>
+                <a16:creationId xmlns="" xmlns:a16="http://schemas.microsoft.com/office/drawing/2014/main" id="{0209DEBD-34F7-4D5A-A67C-851316E87A8F}"/>
               </a:ext>
             </a:extLst>
           </p:cNvPr>
@@ -2051,7 +2051,7 @@
           <p:cNvPr id="2" name="Espace réservé de la date 1">
             <a:extLst>
               <a:ext uri="{FF2B5EF4-FFF2-40B4-BE49-F238E27FC236}">
-                <a16:creationId xmlns:a16="http://schemas.microsoft.com/office/drawing/2014/main" xmlns="" id="{61F61969-F225-4BB7-8AB7-68929B265302}"/>
+                <a16:creationId xmlns="" xmlns:a16="http://schemas.microsoft.com/office/drawing/2014/main" id="{61F61969-F225-4BB7-8AB7-68929B265302}"/>
               </a:ext>
             </a:extLst>
           </p:cNvPr>
@@ -2069,7 +2069,7 @@
           <a:p>
             <a:fld id="{A3F3EA1E-F417-43FF-B8E8-49A1DF7D9404}" type="datetimeFigureOut">
               <a:rPr lang="fr-FR" smtClean="0"/>
-              <a:t>18/10/2019</a:t>
+              <a:t>07/06/2022</a:t>
             </a:fld>
             <a:endParaRPr lang="fr-FR"/>
           </a:p>
@@ -2080,7 +2080,7 @@
           <p:cNvPr id="3" name="Espace réservé du pied de page 2">
             <a:extLst>
               <a:ext uri="{FF2B5EF4-FFF2-40B4-BE49-F238E27FC236}">
-                <a16:creationId xmlns:a16="http://schemas.microsoft.com/office/drawing/2014/main" xmlns="" id="{19C5BCBC-284B-4E10-A443-D0ECE9496B53}"/>
+                <a16:creationId xmlns="" xmlns:a16="http://schemas.microsoft.com/office/drawing/2014/main" id="{19C5BCBC-284B-4E10-A443-D0ECE9496B53}"/>
               </a:ext>
             </a:extLst>
           </p:cNvPr>
@@ -2105,7 +2105,7 @@
           <p:cNvPr id="4" name="Espace réservé du numéro de diapositive 3">
             <a:extLst>
               <a:ext uri="{FF2B5EF4-FFF2-40B4-BE49-F238E27FC236}">
-                <a16:creationId xmlns:a16="http://schemas.microsoft.com/office/drawing/2014/main" xmlns="" id="{A2F8E29A-248B-475E-8DB6-786AEF0B50DA}"/>
+                <a16:creationId xmlns="" xmlns:a16="http://schemas.microsoft.com/office/drawing/2014/main" id="{A2F8E29A-248B-475E-8DB6-786AEF0B50DA}"/>
               </a:ext>
             </a:extLst>
           </p:cNvPr>
@@ -2164,7 +2164,7 @@
           <p:cNvPr id="2" name="Titre 1">
             <a:extLst>
               <a:ext uri="{FF2B5EF4-FFF2-40B4-BE49-F238E27FC236}">
-                <a16:creationId xmlns:a16="http://schemas.microsoft.com/office/drawing/2014/main" xmlns="" id="{4D0285E7-EECF-4304-B237-C7A270A00569}"/>
+                <a16:creationId xmlns="" xmlns:a16="http://schemas.microsoft.com/office/drawing/2014/main" id="{4D0285E7-EECF-4304-B237-C7A270A00569}"/>
               </a:ext>
             </a:extLst>
           </p:cNvPr>
@@ -2201,7 +2201,7 @@
           <p:cNvPr id="3" name="Espace réservé du contenu 2">
             <a:extLst>
               <a:ext uri="{FF2B5EF4-FFF2-40B4-BE49-F238E27FC236}">
-                <a16:creationId xmlns:a16="http://schemas.microsoft.com/office/drawing/2014/main" xmlns="" id="{226FFF2A-EF07-4E37-868D-D332651E8B39}"/>
+                <a16:creationId xmlns="" xmlns:a16="http://schemas.microsoft.com/office/drawing/2014/main" id="{226FFF2A-EF07-4E37-868D-D332651E8B39}"/>
               </a:ext>
             </a:extLst>
           </p:cNvPr>
@@ -2291,7 +2291,7 @@
           <p:cNvPr id="4" name="Espace réservé du texte 3">
             <a:extLst>
               <a:ext uri="{FF2B5EF4-FFF2-40B4-BE49-F238E27FC236}">
-                <a16:creationId xmlns:a16="http://schemas.microsoft.com/office/drawing/2014/main" xmlns="" id="{EEC4AABD-72D8-4E2D-991B-D7C881950893}"/>
+                <a16:creationId xmlns="" xmlns:a16="http://schemas.microsoft.com/office/drawing/2014/main" id="{EEC4AABD-72D8-4E2D-991B-D7C881950893}"/>
               </a:ext>
             </a:extLst>
           </p:cNvPr>
@@ -2362,7 +2362,7 @@
           <p:cNvPr id="5" name="Espace réservé de la date 4">
             <a:extLst>
               <a:ext uri="{FF2B5EF4-FFF2-40B4-BE49-F238E27FC236}">
-                <a16:creationId xmlns:a16="http://schemas.microsoft.com/office/drawing/2014/main" xmlns="" id="{690D8182-E4A7-445D-AEB2-A9EAA209E0F9}"/>
+                <a16:creationId xmlns="" xmlns:a16="http://schemas.microsoft.com/office/drawing/2014/main" id="{690D8182-E4A7-445D-AEB2-A9EAA209E0F9}"/>
               </a:ext>
             </a:extLst>
           </p:cNvPr>
@@ -2380,7 +2380,7 @@
           <a:p>
             <a:fld id="{A3F3EA1E-F417-43FF-B8E8-49A1DF7D9404}" type="datetimeFigureOut">
               <a:rPr lang="fr-FR" smtClean="0"/>
-              <a:t>18/10/2019</a:t>
+              <a:t>07/06/2022</a:t>
             </a:fld>
             <a:endParaRPr lang="fr-FR"/>
           </a:p>
@@ -2391,7 +2391,7 @@
           <p:cNvPr id="6" name="Espace réservé du pied de page 5">
             <a:extLst>
               <a:ext uri="{FF2B5EF4-FFF2-40B4-BE49-F238E27FC236}">
-                <a16:creationId xmlns:a16="http://schemas.microsoft.com/office/drawing/2014/main" xmlns="" id="{E3B03180-C27E-431F-BEBC-680426BAA8E2}"/>
+                <a16:creationId xmlns="" xmlns:a16="http://schemas.microsoft.com/office/drawing/2014/main" id="{E3B03180-C27E-431F-BEBC-680426BAA8E2}"/>
               </a:ext>
             </a:extLst>
           </p:cNvPr>
@@ -2416,7 +2416,7 @@
           <p:cNvPr id="7" name="Espace réservé du numéro de diapositive 6">
             <a:extLst>
               <a:ext uri="{FF2B5EF4-FFF2-40B4-BE49-F238E27FC236}">
-                <a16:creationId xmlns:a16="http://schemas.microsoft.com/office/drawing/2014/main" xmlns="" id="{119BF64B-D6B7-43D8-AD53-41FA1A99CF8F}"/>
+                <a16:creationId xmlns="" xmlns:a16="http://schemas.microsoft.com/office/drawing/2014/main" id="{119BF64B-D6B7-43D8-AD53-41FA1A99CF8F}"/>
               </a:ext>
             </a:extLst>
           </p:cNvPr>
@@ -2475,7 +2475,7 @@
           <p:cNvPr id="2" name="Titre 1">
             <a:extLst>
               <a:ext uri="{FF2B5EF4-FFF2-40B4-BE49-F238E27FC236}">
-                <a16:creationId xmlns:a16="http://schemas.microsoft.com/office/drawing/2014/main" xmlns="" id="{B639A4A7-113C-47C2-B193-7919C908D438}"/>
+                <a16:creationId xmlns="" xmlns:a16="http://schemas.microsoft.com/office/drawing/2014/main" id="{B639A4A7-113C-47C2-B193-7919C908D438}"/>
               </a:ext>
             </a:extLst>
           </p:cNvPr>
@@ -2512,7 +2512,7 @@
           <p:cNvPr id="3" name="Espace réservé pour une image  2">
             <a:extLst>
               <a:ext uri="{FF2B5EF4-FFF2-40B4-BE49-F238E27FC236}">
-                <a16:creationId xmlns:a16="http://schemas.microsoft.com/office/drawing/2014/main" xmlns="" id="{9F5C0612-907B-408A-9C17-9DE811FA755B}"/>
+                <a16:creationId xmlns="" xmlns:a16="http://schemas.microsoft.com/office/drawing/2014/main" id="{9F5C0612-907B-408A-9C17-9DE811FA755B}"/>
               </a:ext>
             </a:extLst>
           </p:cNvPr>
@@ -2579,7 +2579,7 @@
           <p:cNvPr id="4" name="Espace réservé du texte 3">
             <a:extLst>
               <a:ext uri="{FF2B5EF4-FFF2-40B4-BE49-F238E27FC236}">
-                <a16:creationId xmlns:a16="http://schemas.microsoft.com/office/drawing/2014/main" xmlns="" id="{0BD526CD-56FC-4954-BF10-905F3C6FAC4D}"/>
+                <a16:creationId xmlns="" xmlns:a16="http://schemas.microsoft.com/office/drawing/2014/main" id="{0BD526CD-56FC-4954-BF10-905F3C6FAC4D}"/>
               </a:ext>
             </a:extLst>
           </p:cNvPr>
@@ -2650,7 +2650,7 @@
           <p:cNvPr id="5" name="Espace réservé de la date 4">
             <a:extLst>
               <a:ext uri="{FF2B5EF4-FFF2-40B4-BE49-F238E27FC236}">
-                <a16:creationId xmlns:a16="http://schemas.microsoft.com/office/drawing/2014/main" xmlns="" id="{10D3BAE4-5582-44F0-92AE-DC29BDCCAC51}"/>
+                <a16:creationId xmlns="" xmlns:a16="http://schemas.microsoft.com/office/drawing/2014/main" id="{10D3BAE4-5582-44F0-92AE-DC29BDCCAC51}"/>
               </a:ext>
             </a:extLst>
           </p:cNvPr>
@@ -2668,7 +2668,7 @@
           <a:p>
             <a:fld id="{A3F3EA1E-F417-43FF-B8E8-49A1DF7D9404}" type="datetimeFigureOut">
               <a:rPr lang="fr-FR" smtClean="0"/>
-              <a:t>18/10/2019</a:t>
+              <a:t>07/06/2022</a:t>
             </a:fld>
             <a:endParaRPr lang="fr-FR"/>
           </a:p>
@@ -2679,7 +2679,7 @@
           <p:cNvPr id="6" name="Espace réservé du pied de page 5">
             <a:extLst>
               <a:ext uri="{FF2B5EF4-FFF2-40B4-BE49-F238E27FC236}">
-                <a16:creationId xmlns:a16="http://schemas.microsoft.com/office/drawing/2014/main" xmlns="" id="{564C4BF9-637B-491A-BBD2-E4994A0E787D}"/>
+                <a16:creationId xmlns="" xmlns:a16="http://schemas.microsoft.com/office/drawing/2014/main" id="{564C4BF9-637B-491A-BBD2-E4994A0E787D}"/>
               </a:ext>
             </a:extLst>
           </p:cNvPr>
@@ -2704,7 +2704,7 @@
           <p:cNvPr id="7" name="Espace réservé du numéro de diapositive 6">
             <a:extLst>
               <a:ext uri="{FF2B5EF4-FFF2-40B4-BE49-F238E27FC236}">
-                <a16:creationId xmlns:a16="http://schemas.microsoft.com/office/drawing/2014/main" xmlns="" id="{5790D857-6670-41C6-A8EC-32E02572CF18}"/>
+                <a16:creationId xmlns="" xmlns:a16="http://schemas.microsoft.com/office/drawing/2014/main" id="{5790D857-6670-41C6-A8EC-32E02572CF18}"/>
               </a:ext>
             </a:extLst>
           </p:cNvPr>
@@ -2768,7 +2768,7 @@
           <p:cNvPr id="2" name="Espace réservé du titre 1">
             <a:extLst>
               <a:ext uri="{FF2B5EF4-FFF2-40B4-BE49-F238E27FC236}">
-                <a16:creationId xmlns:a16="http://schemas.microsoft.com/office/drawing/2014/main" xmlns="" id="{B604F847-0164-45C8-860F-2A145FFC21BD}"/>
+                <a16:creationId xmlns="" xmlns:a16="http://schemas.microsoft.com/office/drawing/2014/main" id="{B604F847-0164-45C8-860F-2A145FFC21BD}"/>
               </a:ext>
             </a:extLst>
           </p:cNvPr>
@@ -2806,7 +2806,7 @@
           <p:cNvPr id="3" name="Espace réservé du texte 2">
             <a:extLst>
               <a:ext uri="{FF2B5EF4-FFF2-40B4-BE49-F238E27FC236}">
-                <a16:creationId xmlns:a16="http://schemas.microsoft.com/office/drawing/2014/main" xmlns="" id="{72E10100-DAAF-4F5C-BCDE-9B7E60772DBF}"/>
+                <a16:creationId xmlns="" xmlns:a16="http://schemas.microsoft.com/office/drawing/2014/main" id="{72E10100-DAAF-4F5C-BCDE-9B7E60772DBF}"/>
               </a:ext>
             </a:extLst>
           </p:cNvPr>
@@ -2873,7 +2873,7 @@
           <p:cNvPr id="4" name="Espace réservé de la date 3">
             <a:extLst>
               <a:ext uri="{FF2B5EF4-FFF2-40B4-BE49-F238E27FC236}">
-                <a16:creationId xmlns:a16="http://schemas.microsoft.com/office/drawing/2014/main" xmlns="" id="{76445B1A-24DF-46A5-87E2-1AB7F6ACCB00}"/>
+                <a16:creationId xmlns="" xmlns:a16="http://schemas.microsoft.com/office/drawing/2014/main" id="{76445B1A-24DF-46A5-87E2-1AB7F6ACCB00}"/>
               </a:ext>
             </a:extLst>
           </p:cNvPr>
@@ -2909,7 +2909,7 @@
           <a:p>
             <a:fld id="{A3F3EA1E-F417-43FF-B8E8-49A1DF7D9404}" type="datetimeFigureOut">
               <a:rPr lang="fr-FR" smtClean="0"/>
-              <a:t>18/10/2019</a:t>
+              <a:t>07/06/2022</a:t>
             </a:fld>
             <a:endParaRPr lang="fr-FR"/>
           </a:p>
@@ -2920,7 +2920,7 @@
           <p:cNvPr id="5" name="Espace réservé du pied de page 4">
             <a:extLst>
               <a:ext uri="{FF2B5EF4-FFF2-40B4-BE49-F238E27FC236}">
-                <a16:creationId xmlns:a16="http://schemas.microsoft.com/office/drawing/2014/main" xmlns="" id="{1175BA30-7232-47E6-AD6D-7976338A1EBB}"/>
+                <a16:creationId xmlns="" xmlns:a16="http://schemas.microsoft.com/office/drawing/2014/main" id="{1175BA30-7232-47E6-AD6D-7976338A1EBB}"/>
               </a:ext>
             </a:extLst>
           </p:cNvPr>
@@ -2963,7 +2963,7 @@
           <p:cNvPr id="6" name="Espace réservé du numéro de diapositive 5">
             <a:extLst>
               <a:ext uri="{FF2B5EF4-FFF2-40B4-BE49-F238E27FC236}">
-                <a16:creationId xmlns:a16="http://schemas.microsoft.com/office/drawing/2014/main" xmlns="" id="{8A311C3D-88A7-44F9-9DAC-A496E4CFC6F6}"/>
+                <a16:creationId xmlns="" xmlns:a16="http://schemas.microsoft.com/office/drawing/2014/main" id="{8A311C3D-88A7-44F9-9DAC-A496E4CFC6F6}"/>
               </a:ext>
             </a:extLst>
           </p:cNvPr>
@@ -3331,7 +3331,7 @@
           <p:cNvPr id="13" name="Groupe 12">
             <a:extLst>
               <a:ext uri="{FF2B5EF4-FFF2-40B4-BE49-F238E27FC236}">
-                <a16:creationId xmlns:a16="http://schemas.microsoft.com/office/drawing/2014/main" xmlns="" id="{827E114A-CA12-4F8A-B0B1-01C82DE7CA85}"/>
+                <a16:creationId xmlns="" xmlns:a16="http://schemas.microsoft.com/office/drawing/2014/main" id="{827E114A-CA12-4F8A-B0B1-01C82DE7CA85}"/>
               </a:ext>
             </a:extLst>
           </p:cNvPr>
@@ -3351,7 +3351,7 @@
             <p:cNvPr id="14" name="Rectangle : coins arrondis 13">
               <a:extLst>
                 <a:ext uri="{FF2B5EF4-FFF2-40B4-BE49-F238E27FC236}">
-                  <a16:creationId xmlns:a16="http://schemas.microsoft.com/office/drawing/2014/main" xmlns="" id="{A723E91F-7EAA-4685-A383-FB2EE03AC664}"/>
+                  <a16:creationId xmlns="" xmlns:a16="http://schemas.microsoft.com/office/drawing/2014/main" id="{A723E91F-7EAA-4685-A383-FB2EE03AC664}"/>
                 </a:ext>
               </a:extLst>
             </p:cNvPr>
@@ -3388,8 +3388,8 @@
             <a:p>
               <a:pPr algn="ctr"/>
               <a:r>
-                <a:rPr lang="fr-FR" sz="2400" dirty="0" smtClean="0"/>
-                <a:t>E</a:t>
+                <a:rPr lang="fr-FR" sz="2400" dirty="0"/>
+                <a:t>T</a:t>
               </a:r>
               <a:endParaRPr lang="fr-FR" sz="2400" dirty="0"/>
             </a:p>
@@ -3400,7 +3400,7 @@
             <p:cNvPr id="15" name="Rectangle : coins arrondis 14">
               <a:extLst>
                 <a:ext uri="{FF2B5EF4-FFF2-40B4-BE49-F238E27FC236}">
-                  <a16:creationId xmlns:a16="http://schemas.microsoft.com/office/drawing/2014/main" xmlns="" id="{87914022-CAA4-4EB6-AF3E-6F0BAC854356}"/>
+                  <a16:creationId xmlns="" xmlns:a16="http://schemas.microsoft.com/office/drawing/2014/main" id="{87914022-CAA4-4EB6-AF3E-6F0BAC854356}"/>
                 </a:ext>
               </a:extLst>
             </p:cNvPr>
@@ -3437,8 +3437,8 @@
             <a:p>
               <a:pPr algn="ctr"/>
               <a:r>
-                <a:rPr lang="fr-FR" sz="2400" dirty="0" smtClean="0"/>
-                <a:t>D</a:t>
+                <a:rPr lang="fr-FR" sz="2400" dirty="0"/>
+                <a:t>G</a:t>
               </a:r>
               <a:endParaRPr lang="fr-FR" sz="2400" dirty="0"/>
             </a:p>
@@ -3449,7 +3449,7 @@
             <p:cNvPr id="16" name="Rectangle : coins arrondis 15">
               <a:extLst>
                 <a:ext uri="{FF2B5EF4-FFF2-40B4-BE49-F238E27FC236}">
-                  <a16:creationId xmlns:a16="http://schemas.microsoft.com/office/drawing/2014/main" xmlns="" id="{F2B1F130-F56A-400D-A4E7-3CF423731EEA}"/>
+                  <a16:creationId xmlns="" xmlns:a16="http://schemas.microsoft.com/office/drawing/2014/main" id="{F2B1F130-F56A-400D-A4E7-3CF423731EEA}"/>
                 </a:ext>
               </a:extLst>
             </p:cNvPr>
@@ -3486,8 +3486,8 @@
             <a:p>
               <a:pPr algn="ctr"/>
               <a:r>
-                <a:rPr lang="fr-FR" sz="2400" dirty="0" smtClean="0"/>
-                <a:t>C</a:t>
+                <a:rPr lang="fr-FR" sz="2400" dirty="0"/>
+                <a:t>B</a:t>
               </a:r>
               <a:endParaRPr lang="fr-FR" sz="2400" dirty="0"/>
             </a:p>
@@ -3498,7 +3498,7 @@
             <p:cNvPr id="17" name="Connecteur droit avec flèche 16">
               <a:extLst>
                 <a:ext uri="{FF2B5EF4-FFF2-40B4-BE49-F238E27FC236}">
-                  <a16:creationId xmlns:a16="http://schemas.microsoft.com/office/drawing/2014/main" xmlns="" id="{48A8673E-E9F9-4AF3-98F2-2E94E9436B56}"/>
+                  <a16:creationId xmlns="" xmlns:a16="http://schemas.microsoft.com/office/drawing/2014/main" id="{48A8673E-E9F9-4AF3-98F2-2E94E9436B56}"/>
                 </a:ext>
               </a:extLst>
             </p:cNvPr>
@@ -3540,7 +3540,7 @@
             <p:cNvPr id="18" name="Connecteur droit avec flèche 17">
               <a:extLst>
                 <a:ext uri="{FF2B5EF4-FFF2-40B4-BE49-F238E27FC236}">
-                  <a16:creationId xmlns:a16="http://schemas.microsoft.com/office/drawing/2014/main" xmlns="" id="{4160F5A6-250F-4302-894D-7353DD6ED7D6}"/>
+                  <a16:creationId xmlns="" xmlns:a16="http://schemas.microsoft.com/office/drawing/2014/main" id="{4160F5A6-250F-4302-894D-7353DD6ED7D6}"/>
                 </a:ext>
               </a:extLst>
             </p:cNvPr>
@@ -3582,7 +3582,7 @@
             <p:cNvPr id="19" name="Connecteur droit avec flèche 18">
               <a:extLst>
                 <a:ext uri="{FF2B5EF4-FFF2-40B4-BE49-F238E27FC236}">
-                  <a16:creationId xmlns:a16="http://schemas.microsoft.com/office/drawing/2014/main" xmlns="" id="{7CA01E04-77C0-492B-8D14-3C926080F8FB}"/>
+                  <a16:creationId xmlns="" xmlns:a16="http://schemas.microsoft.com/office/drawing/2014/main" id="{7CA01E04-77C0-492B-8D14-3C926080F8FB}"/>
                 </a:ext>
               </a:extLst>
             </p:cNvPr>
@@ -3624,7 +3624,7 @@
             <p:cNvPr id="20" name="ZoneTexte 19">
               <a:extLst>
                 <a:ext uri="{FF2B5EF4-FFF2-40B4-BE49-F238E27FC236}">
-                  <a16:creationId xmlns:a16="http://schemas.microsoft.com/office/drawing/2014/main" xmlns="" id="{B29F5B81-F0EF-4668-A1B2-D60EB8E20CD4}"/>
+                  <a16:creationId xmlns="" xmlns:a16="http://schemas.microsoft.com/office/drawing/2014/main" id="{B29F5B81-F0EF-4668-A1B2-D60EB8E20CD4}"/>
                 </a:ext>
               </a:extLst>
             </p:cNvPr>
@@ -3668,7 +3668,7 @@
             <p:cNvPr id="21" name="ZoneTexte 20">
               <a:extLst>
                 <a:ext uri="{FF2B5EF4-FFF2-40B4-BE49-F238E27FC236}">
-                  <a16:creationId xmlns:a16="http://schemas.microsoft.com/office/drawing/2014/main" xmlns="" id="{2F66D446-3266-40C3-99FB-9C5612C5C482}"/>
+                  <a16:creationId xmlns="" xmlns:a16="http://schemas.microsoft.com/office/drawing/2014/main" id="{2F66D446-3266-40C3-99FB-9C5612C5C482}"/>
                 </a:ext>
               </a:extLst>
             </p:cNvPr>
@@ -3712,7 +3712,7 @@
             <p:cNvPr id="22" name="ZoneTexte 21">
               <a:extLst>
                 <a:ext uri="{FF2B5EF4-FFF2-40B4-BE49-F238E27FC236}">
-                  <a16:creationId xmlns:a16="http://schemas.microsoft.com/office/drawing/2014/main" xmlns="" id="{7BFC5064-4DC3-4827-85B4-73AED4E6BE96}"/>
+                  <a16:creationId xmlns="" xmlns:a16="http://schemas.microsoft.com/office/drawing/2014/main" id="{7BFC5064-4DC3-4827-85B4-73AED4E6BE96}"/>
                 </a:ext>
               </a:extLst>
             </p:cNvPr>
